--- a/Presentation 1.pptx
+++ b/Presentation 1.pptx
@@ -5,7 +5,7 @@
     <p:sldMasterId id="2147483660" r:id="rId1"/>
   </p:sldMasterIdLst>
   <p:notesMasterIdLst>
-    <p:notesMasterId r:id="rId22"/>
+    <p:notesMasterId r:id="rId24"/>
   </p:notesMasterIdLst>
   <p:sldIdLst>
     <p:sldId id="265" r:id="rId2"/>
@@ -20,14 +20,16 @@
     <p:sldId id="269" r:id="rId11"/>
     <p:sldId id="270" r:id="rId12"/>
     <p:sldId id="268" r:id="rId13"/>
-    <p:sldId id="272" r:id="rId14"/>
-    <p:sldId id="258" r:id="rId15"/>
-    <p:sldId id="271" r:id="rId16"/>
-    <p:sldId id="275" r:id="rId17"/>
-    <p:sldId id="266" r:id="rId18"/>
-    <p:sldId id="264" r:id="rId19"/>
-    <p:sldId id="259" r:id="rId20"/>
-    <p:sldId id="274" r:id="rId21"/>
+    <p:sldId id="276" r:id="rId14"/>
+    <p:sldId id="272" r:id="rId15"/>
+    <p:sldId id="264" r:id="rId16"/>
+    <p:sldId id="258" r:id="rId17"/>
+    <p:sldId id="271" r:id="rId18"/>
+    <p:sldId id="275" r:id="rId19"/>
+    <p:sldId id="266" r:id="rId20"/>
+    <p:sldId id="259" r:id="rId21"/>
+    <p:sldId id="277" r:id="rId22"/>
+    <p:sldId id="274" r:id="rId23"/>
   </p:sldIdLst>
   <p:sldSz cx="12192000" cy="6858000"/>
   <p:notesSz cx="6858000" cy="9144000"/>
@@ -889,15 +891,15 @@
       <dgm:spPr/>
     </dgm:pt>
     <dgm:pt modelId="{630ADBE0-EF98-2D49-B1A7-0633C5EF0AFF}">
-      <dgm:prSet phldrT="[Text]"/>
+      <dgm:prSet phldrT="[Text]" custT="1"/>
       <dgm:spPr/>
       <dgm:t>
         <a:bodyPr/>
         <a:lstStyle/>
         <a:p>
           <a:r>
-            <a:rPr lang="en-GB" dirty="0"/>
-            <a:t>COVID19WasteWater (R package)</a:t>
+            <a:rPr lang="en-GB" sz="2400" dirty="0"/>
+            <a:t>COVID19WastewaterModel (R package)</a:t>
           </a:r>
         </a:p>
       </dgm:t>
@@ -909,23 +911,23 @@
         <a:bodyPr/>
         <a:lstStyle/>
         <a:p>
-          <a:endParaRPr lang="en-GB"/>
+          <a:endParaRPr lang="en-GB" sz="2800"/>
         </a:p>
       </dgm:t>
     </dgm:pt>
     <dgm:pt modelId="{FD25C168-C927-FF4E-8842-2C6DB318192C}" type="sibTrans" cxnId="{25DC74E5-D787-AF40-9AD5-374EC44EAFCE}">
-      <dgm:prSet/>
+      <dgm:prSet custT="1"/>
       <dgm:spPr/>
       <dgm:t>
         <a:bodyPr/>
         <a:lstStyle/>
         <a:p>
-          <a:endParaRPr lang="en-GB"/>
+          <a:endParaRPr lang="en-GB" sz="1800"/>
         </a:p>
       </dgm:t>
     </dgm:pt>
     <dgm:pt modelId="{0C13DAC9-E480-264B-8FCF-46C8AFEB4AE1}">
-      <dgm:prSet phldrT="[Text]">
+      <dgm:prSet phldrT="[Text]" custT="1">
         <dgm:style>
           <a:lnRef idx="2">
             <a:schemeClr val="accent3"/>
@@ -947,7 +949,7 @@
         <a:lstStyle/>
         <a:p>
           <a:r>
-            <a:rPr lang="en-GB" dirty="0"/>
+            <a:rPr lang="en-GB" sz="2400" dirty="0"/>
             <a:t>Active case number to new case number</a:t>
           </a:r>
         </a:p>
@@ -960,34 +962,34 @@
         <a:bodyPr/>
         <a:lstStyle/>
         <a:p>
-          <a:endParaRPr lang="en-GB"/>
+          <a:endParaRPr lang="en-GB" sz="2800"/>
         </a:p>
       </dgm:t>
     </dgm:pt>
     <dgm:pt modelId="{C3CEACA0-1493-7547-BF7A-5D9120D1917D}" type="sibTrans" cxnId="{D1A434E8-2B1B-D942-89AE-2152323C8C15}">
-      <dgm:prSet/>
+      <dgm:prSet custT="1"/>
       <dgm:spPr/>
       <dgm:t>
         <a:bodyPr/>
         <a:lstStyle/>
         <a:p>
-          <a:endParaRPr lang="en-GB"/>
+          <a:endParaRPr lang="en-GB" sz="1800"/>
         </a:p>
       </dgm:t>
     </dgm:pt>
     <dgm:pt modelId="{AA6ED68C-7FB2-A44F-84C1-0C20CDFBE182}">
-      <dgm:prSet/>
+      <dgm:prSet custT="1"/>
       <dgm:spPr/>
       <dgm:t>
         <a:bodyPr/>
         <a:lstStyle/>
         <a:p>
           <a:r>
-            <a:rPr lang="en-GB" dirty="0" err="1"/>
+            <a:rPr lang="en-GB" sz="2400" dirty="0" err="1"/>
             <a:t>Epyestim</a:t>
           </a:r>
           <a:r>
-            <a:rPr lang="en-GB" dirty="0"/>
+            <a:rPr lang="en-GB" sz="2400" dirty="0"/>
             <a:t> (available on R and Python)</a:t>
           </a:r>
         </a:p>
@@ -1000,7 +1002,7 @@
         <a:bodyPr/>
         <a:lstStyle/>
         <a:p>
-          <a:endParaRPr lang="en-GB"/>
+          <a:endParaRPr lang="en-GB" sz="2800"/>
         </a:p>
       </dgm:t>
     </dgm:pt>
@@ -1011,7 +1013,7 @@
         <a:bodyPr/>
         <a:lstStyle/>
         <a:p>
-          <a:endParaRPr lang="en-GB"/>
+          <a:endParaRPr lang="en-GB" sz="2800"/>
         </a:p>
       </dgm:t>
     </dgm:pt>
@@ -1110,8 +1112,8 @@
       </dsp:nvSpPr>
       <dsp:spPr>
         <a:xfrm>
-          <a:off x="8543" y="1245322"/>
-          <a:ext cx="2553467" cy="1532080"/>
+          <a:off x="13281" y="1246070"/>
+          <a:ext cx="2550973" cy="1530584"/>
         </a:xfrm>
         <a:prstGeom prst="roundRect">
           <a:avLst>
@@ -1154,12 +1156,12 @@
         </a:fontRef>
       </dsp:style>
       <dsp:txBody>
-        <a:bodyPr spcFirstLastPara="0" vert="horz" wrap="square" lIns="76200" tIns="76200" rIns="76200" bIns="76200" numCol="1" spcCol="1270" anchor="ctr" anchorCtr="0">
+        <a:bodyPr spcFirstLastPara="0" vert="horz" wrap="square" lIns="91440" tIns="91440" rIns="91440" bIns="91440" numCol="1" spcCol="1270" anchor="ctr" anchorCtr="0">
           <a:noAutofit/>
         </a:bodyPr>
         <a:lstStyle/>
         <a:p>
-          <a:pPr marL="0" lvl="0" indent="0" algn="ctr" defTabSz="889000">
+          <a:pPr marL="0" lvl="0" indent="0" algn="ctr" defTabSz="1066800">
             <a:lnSpc>
               <a:spcPct val="90000"/>
             </a:lnSpc>
@@ -1172,14 +1174,14 @@
             <a:buNone/>
           </a:pPr>
           <a:r>
-            <a:rPr lang="en-GB" sz="2000" kern="1200" dirty="0"/>
-            <a:t>COVID19WasteWater (R package)</a:t>
+            <a:rPr lang="en-GB" sz="2400" kern="1200" dirty="0"/>
+            <a:t>COVID19WastewaterModel (R package)</a:t>
           </a:r>
         </a:p>
       </dsp:txBody>
       <dsp:txXfrm>
-        <a:off x="53416" y="1290195"/>
-        <a:ext cx="2463721" cy="1442334"/>
+        <a:off x="58110" y="1290899"/>
+        <a:ext cx="2461315" cy="1440926"/>
       </dsp:txXfrm>
     </dsp:sp>
     <dsp:sp modelId="{CAC3B18F-6118-DB43-8661-75E77DC32B58}">
@@ -1189,8 +1191,8 @@
       </dsp:nvSpPr>
       <dsp:spPr>
         <a:xfrm>
-          <a:off x="2817357" y="1694732"/>
-          <a:ext cx="541335" cy="633259"/>
+          <a:off x="2819352" y="1695041"/>
+          <a:ext cx="540806" cy="632641"/>
         </a:xfrm>
         <a:prstGeom prst="rightArrow">
           <a:avLst>
@@ -1232,7 +1234,7 @@
         </a:bodyPr>
         <a:lstStyle/>
         <a:p>
-          <a:pPr marL="0" lvl="0" indent="0" algn="ctr" defTabSz="711200">
+          <a:pPr marL="0" lvl="0" indent="0" algn="ctr" defTabSz="800100">
             <a:lnSpc>
               <a:spcPct val="90000"/>
             </a:lnSpc>
@@ -1244,12 +1246,12 @@
             </a:spcAft>
             <a:buNone/>
           </a:pPr>
-          <a:endParaRPr lang="en-GB" sz="1600" kern="1200"/>
+          <a:endParaRPr lang="en-GB" sz="1800" kern="1200"/>
         </a:p>
       </dsp:txBody>
       <dsp:txXfrm>
-        <a:off x="2817357" y="1821384"/>
-        <a:ext cx="378935" cy="379955"/>
+        <a:off x="2819352" y="1821569"/>
+        <a:ext cx="378564" cy="379585"/>
       </dsp:txXfrm>
     </dsp:sp>
     <dsp:sp modelId="{090BB837-AD14-FD40-A032-45F1CB031A03}">
@@ -1259,8 +1261,8 @@
       </dsp:nvSpPr>
       <dsp:spPr>
         <a:xfrm>
-          <a:off x="3583397" y="1245322"/>
-          <a:ext cx="2553467" cy="1532080"/>
+          <a:off x="3584644" y="1246070"/>
+          <a:ext cx="2550973" cy="1530584"/>
         </a:xfrm>
         <a:prstGeom prst="roundRect">
           <a:avLst>
@@ -1293,12 +1295,12 @@
         </a:fontRef>
       </dsp:style>
       <dsp:txBody>
-        <a:bodyPr spcFirstLastPara="0" vert="horz" wrap="square" lIns="76200" tIns="76200" rIns="76200" bIns="76200" numCol="1" spcCol="1270" anchor="ctr" anchorCtr="0">
+        <a:bodyPr spcFirstLastPara="0" vert="horz" wrap="square" lIns="91440" tIns="91440" rIns="91440" bIns="91440" numCol="1" spcCol="1270" anchor="ctr" anchorCtr="0">
           <a:noAutofit/>
         </a:bodyPr>
         <a:lstStyle/>
         <a:p>
-          <a:pPr marL="0" lvl="0" indent="0" algn="ctr" defTabSz="889000">
+          <a:pPr marL="0" lvl="0" indent="0" algn="ctr" defTabSz="1066800">
             <a:lnSpc>
               <a:spcPct val="90000"/>
             </a:lnSpc>
@@ -1311,14 +1313,14 @@
             <a:buNone/>
           </a:pPr>
           <a:r>
-            <a:rPr lang="en-GB" sz="2000" kern="1200" dirty="0"/>
+            <a:rPr lang="en-GB" sz="2400" kern="1200" dirty="0"/>
             <a:t>Active case number to new case number</a:t>
           </a:r>
         </a:p>
       </dsp:txBody>
       <dsp:txXfrm>
-        <a:off x="3628270" y="1290195"/>
-        <a:ext cx="2463721" cy="1442334"/>
+        <a:off x="3629473" y="1290899"/>
+        <a:ext cx="2461315" cy="1440926"/>
       </dsp:txXfrm>
     </dsp:sp>
     <dsp:sp modelId="{F819F476-52A2-5D48-8E2F-4CF493EECC34}">
@@ -1328,8 +1330,8 @@
       </dsp:nvSpPr>
       <dsp:spPr>
         <a:xfrm>
-          <a:off x="6392211" y="1694732"/>
-          <a:ext cx="541335" cy="633259"/>
+          <a:off x="6390715" y="1695041"/>
+          <a:ext cx="540806" cy="632641"/>
         </a:xfrm>
         <a:prstGeom prst="rightArrow">
           <a:avLst>
@@ -1371,7 +1373,7 @@
         </a:bodyPr>
         <a:lstStyle/>
         <a:p>
-          <a:pPr marL="0" lvl="0" indent="0" algn="ctr" defTabSz="711200">
+          <a:pPr marL="0" lvl="0" indent="0" algn="ctr" defTabSz="800100">
             <a:lnSpc>
               <a:spcPct val="90000"/>
             </a:lnSpc>
@@ -1383,12 +1385,12 @@
             </a:spcAft>
             <a:buNone/>
           </a:pPr>
-          <a:endParaRPr lang="en-GB" sz="1600" kern="1200"/>
+          <a:endParaRPr lang="en-GB" sz="1800" kern="1200"/>
         </a:p>
       </dsp:txBody>
       <dsp:txXfrm>
-        <a:off x="6392211" y="1821384"/>
-        <a:ext cx="378935" cy="379955"/>
+        <a:off x="6390715" y="1821569"/>
+        <a:ext cx="378564" cy="379585"/>
       </dsp:txXfrm>
     </dsp:sp>
     <dsp:sp modelId="{7FBC8664-C6B4-E94F-9F86-B8A07C7ADD4E}">
@@ -1398,8 +1400,8 @@
       </dsp:nvSpPr>
       <dsp:spPr>
         <a:xfrm>
-          <a:off x="7158251" y="1245322"/>
-          <a:ext cx="2553467" cy="1532080"/>
+          <a:off x="7156007" y="1246070"/>
+          <a:ext cx="2550973" cy="1530584"/>
         </a:xfrm>
         <a:prstGeom prst="roundRect">
           <a:avLst>
@@ -1442,12 +1444,12 @@
         </a:fontRef>
       </dsp:style>
       <dsp:txBody>
-        <a:bodyPr spcFirstLastPara="0" vert="horz" wrap="square" lIns="76200" tIns="76200" rIns="76200" bIns="76200" numCol="1" spcCol="1270" anchor="ctr" anchorCtr="0">
+        <a:bodyPr spcFirstLastPara="0" vert="horz" wrap="square" lIns="91440" tIns="91440" rIns="91440" bIns="91440" numCol="1" spcCol="1270" anchor="ctr" anchorCtr="0">
           <a:noAutofit/>
         </a:bodyPr>
         <a:lstStyle/>
         <a:p>
-          <a:pPr marL="0" lvl="0" indent="0" algn="ctr" defTabSz="889000">
+          <a:pPr marL="0" lvl="0" indent="0" algn="ctr" defTabSz="1066800">
             <a:lnSpc>
               <a:spcPct val="90000"/>
             </a:lnSpc>
@@ -1460,18 +1462,18 @@
             <a:buNone/>
           </a:pPr>
           <a:r>
-            <a:rPr lang="en-GB" sz="2000" kern="1200" dirty="0" err="1"/>
+            <a:rPr lang="en-GB" sz="2400" kern="1200" dirty="0" err="1"/>
             <a:t>Epyestim</a:t>
           </a:r>
           <a:r>
-            <a:rPr lang="en-GB" sz="2000" kern="1200" dirty="0"/>
+            <a:rPr lang="en-GB" sz="2400" kern="1200" dirty="0"/>
             <a:t> (available on R and Python)</a:t>
           </a:r>
         </a:p>
       </dsp:txBody>
       <dsp:txXfrm>
-        <a:off x="7203124" y="1290195"/>
-        <a:ext cx="2463721" cy="1442334"/>
+        <a:off x="7200836" y="1290899"/>
+        <a:ext cx="2461315" cy="1440926"/>
       </dsp:txXfrm>
     </dsp:sp>
   </dsp:spTree>
@@ -2740,7 +2742,7 @@
           <a:p>
             <a:fld id="{C6E6B080-50DC-D447-AF7A-D9A0B105AA64}" type="datetimeFigureOut">
               <a:rPr lang="en-GB" smtClean="0"/>
-              <a:t>13/06/2022</a:t>
+              <a:t>15/06/2022</a:t>
             </a:fld>
             <a:endParaRPr lang="en-GB"/>
           </a:p>
@@ -11884,7 +11886,7 @@
           <a:p>
             <a:fld id="{37F16E50-FF11-CA41-8AF5-782EE0A65FB6}" type="datetimeFigureOut">
               <a:rPr lang="en-GB" smtClean="0"/>
-              <a:t>12/06/2022</a:t>
+              <a:t>15/06/2022</a:t>
             </a:fld>
             <a:endParaRPr lang="en-GB"/>
           </a:p>
@@ -12091,7 +12093,7 @@
           <a:p>
             <a:fld id="{37F16E50-FF11-CA41-8AF5-782EE0A65FB6}" type="datetimeFigureOut">
               <a:rPr lang="en-GB" smtClean="0"/>
-              <a:t>12/06/2022</a:t>
+              <a:t>15/06/2022</a:t>
             </a:fld>
             <a:endParaRPr lang="en-GB"/>
           </a:p>
@@ -12271,7 +12273,7 @@
           <a:p>
             <a:fld id="{37F16E50-FF11-CA41-8AF5-782EE0A65FB6}" type="datetimeFigureOut">
               <a:rPr lang="en-GB" smtClean="0"/>
-              <a:t>12/06/2022</a:t>
+              <a:t>15/06/2022</a:t>
             </a:fld>
             <a:endParaRPr lang="en-GB"/>
           </a:p>
@@ -12476,7 +12478,7 @@
           <a:p>
             <a:fld id="{37F16E50-FF11-CA41-8AF5-782EE0A65FB6}" type="datetimeFigureOut">
               <a:rPr lang="en-GB" smtClean="0"/>
-              <a:t>12/06/2022</a:t>
+              <a:t>15/06/2022</a:t>
             </a:fld>
             <a:endParaRPr lang="en-GB"/>
           </a:p>
@@ -21374,7 +21376,7 @@
           <a:p>
             <a:fld id="{37F16E50-FF11-CA41-8AF5-782EE0A65FB6}" type="datetimeFigureOut">
               <a:rPr lang="en-GB" smtClean="0"/>
-              <a:t>12/06/2022</a:t>
+              <a:t>15/06/2022</a:t>
             </a:fld>
             <a:endParaRPr lang="en-GB"/>
           </a:p>
@@ -21648,7 +21650,7 @@
           <a:p>
             <a:fld id="{37F16E50-FF11-CA41-8AF5-782EE0A65FB6}" type="datetimeFigureOut">
               <a:rPr lang="en-GB" smtClean="0"/>
-              <a:t>12/06/2022</a:t>
+              <a:t>15/06/2022</a:t>
             </a:fld>
             <a:endParaRPr lang="en-GB"/>
           </a:p>
@@ -22046,7 +22048,7 @@
           <a:p>
             <a:fld id="{37F16E50-FF11-CA41-8AF5-782EE0A65FB6}" type="datetimeFigureOut">
               <a:rPr lang="en-GB" smtClean="0"/>
-              <a:t>12/06/2022</a:t>
+              <a:t>15/06/2022</a:t>
             </a:fld>
             <a:endParaRPr lang="en-GB"/>
           </a:p>
@@ -22164,7 +22166,7 @@
           <a:p>
             <a:fld id="{37F16E50-FF11-CA41-8AF5-782EE0A65FB6}" type="datetimeFigureOut">
               <a:rPr lang="en-GB" smtClean="0"/>
-              <a:t>12/06/2022</a:t>
+              <a:t>15/06/2022</a:t>
             </a:fld>
             <a:endParaRPr lang="en-GB"/>
           </a:p>
@@ -22259,7 +22261,7 @@
           <a:p>
             <a:fld id="{37F16E50-FF11-CA41-8AF5-782EE0A65FB6}" type="datetimeFigureOut">
               <a:rPr lang="en-GB" smtClean="0"/>
-              <a:t>12/06/2022</a:t>
+              <a:t>15/06/2022</a:t>
             </a:fld>
             <a:endParaRPr lang="en-GB"/>
           </a:p>
@@ -22549,7 +22551,7 @@
           <a:p>
             <a:fld id="{37F16E50-FF11-CA41-8AF5-782EE0A65FB6}" type="datetimeFigureOut">
               <a:rPr lang="en-GB" smtClean="0"/>
-              <a:t>12/06/2022</a:t>
+              <a:t>15/06/2022</a:t>
             </a:fld>
             <a:endParaRPr lang="en-GB"/>
           </a:p>
@@ -22829,7 +22831,7 @@
           <a:p>
             <a:fld id="{37F16E50-FF11-CA41-8AF5-782EE0A65FB6}" type="datetimeFigureOut">
               <a:rPr lang="en-GB" smtClean="0"/>
-              <a:t>12/06/2022</a:t>
+              <a:t>15/06/2022</a:t>
             </a:fld>
             <a:endParaRPr lang="en-GB"/>
           </a:p>
@@ -23079,7 +23081,7 @@
           <a:p>
             <a:fld id="{37F16E50-FF11-CA41-8AF5-782EE0A65FB6}" type="datetimeFigureOut">
               <a:rPr lang="en-GB" smtClean="0"/>
-              <a:t>12/06/2022</a:t>
+              <a:t>15/06/2022</a:t>
             </a:fld>
             <a:endParaRPr lang="en-GB"/>
           </a:p>
@@ -23995,6 +23997,66 @@
           <a:chExt cx="0" cy="0"/>
         </a:xfrm>
       </p:grpSpPr>
+      <p:pic>
+        <p:nvPicPr>
+          <p:cNvPr id="3" name="Picture 2" descr="Chart&#10;&#10;Description automatically generated">
+            <a:extLst>
+              <a:ext uri="{FF2B5EF4-FFF2-40B4-BE49-F238E27FC236}">
+                <a16:creationId xmlns:a16="http://schemas.microsoft.com/office/drawing/2014/main" id="{4DC3A732-45D1-43FD-95A8-04BD7C472D31}"/>
+              </a:ext>
+            </a:extLst>
+          </p:cNvPr>
+          <p:cNvPicPr>
+            <a:picLocks noChangeAspect="1"/>
+          </p:cNvPicPr>
+          <p:nvPr/>
+        </p:nvPicPr>
+        <p:blipFill>
+          <a:blip r:embed="rId2"/>
+          <a:stretch>
+            <a:fillRect/>
+          </a:stretch>
+        </p:blipFill>
+        <p:spPr>
+          <a:xfrm>
+            <a:off x="1377950" y="177800"/>
+            <a:ext cx="9436100" cy="6502400"/>
+          </a:xfrm>
+          <a:prstGeom prst="rect">
+            <a:avLst/>
+          </a:prstGeom>
+        </p:spPr>
+      </p:pic>
+    </p:spTree>
+    <p:extLst>
+      <p:ext uri="{BB962C8B-B14F-4D97-AF65-F5344CB8AC3E}">
+        <p14:creationId xmlns:p14="http://schemas.microsoft.com/office/powerpoint/2010/main" val="3486227108"/>
+      </p:ext>
+    </p:extLst>
+  </p:cSld>
+  <p:clrMapOvr>
+    <a:masterClrMapping/>
+  </p:clrMapOvr>
+</p:sld>
+</file>
+
+<file path=ppt/slides/slide14.xml><?xml version="1.0" encoding="utf-8"?>
+<p:sld xmlns:a="http://schemas.openxmlformats.org/drawingml/2006/main" xmlns:r="http://schemas.openxmlformats.org/officeDocument/2006/relationships" xmlns:p="http://schemas.openxmlformats.org/presentationml/2006/main">
+  <p:cSld>
+    <p:spTree>
+      <p:nvGrpSpPr>
+        <p:cNvPr id="1" name=""/>
+        <p:cNvGrpSpPr/>
+        <p:nvPr/>
+      </p:nvGrpSpPr>
+      <p:grpSpPr>
+        <a:xfrm>
+          <a:off x="0" y="0"/>
+          <a:ext cx="0" cy="0"/>
+          <a:chOff x="0" y="0"/>
+          <a:chExt cx="0" cy="0"/>
+        </a:xfrm>
+      </p:grpSpPr>
       <p:sp>
         <p:nvSpPr>
           <p:cNvPr id="2" name="Title 1">
@@ -24019,6 +24081,13 @@
             <a:r>
               <a:rPr lang="en-GB" dirty="0"/>
               <a:t>Comparison with phenomenological model</a:t>
+            </a:r>
+            <a:br>
+              <a:rPr lang="en-GB" dirty="0"/>
+            </a:br>
+            <a:r>
+              <a:rPr lang="en-GB" dirty="0"/>
+              <a:t>(Prevalence)</a:t>
             </a:r>
           </a:p>
         </p:txBody>
@@ -24065,7 +24134,127 @@
 </p:sld>
 </file>
 
-<file path=ppt/slides/slide14.xml><?xml version="1.0" encoding="utf-8"?>
+<file path=ppt/slides/slide15.xml><?xml version="1.0" encoding="utf-8"?>
+<p:sld xmlns:a="http://schemas.openxmlformats.org/drawingml/2006/main" xmlns:r="http://schemas.openxmlformats.org/officeDocument/2006/relationships" xmlns:p="http://schemas.openxmlformats.org/presentationml/2006/main">
+  <p:cSld>
+    <p:spTree>
+      <p:nvGrpSpPr>
+        <p:cNvPr id="1" name=""/>
+        <p:cNvGrpSpPr/>
+        <p:nvPr/>
+      </p:nvGrpSpPr>
+      <p:grpSpPr>
+        <a:xfrm>
+          <a:off x="0" y="0"/>
+          <a:ext cx="0" cy="0"/>
+          <a:chOff x="0" y="0"/>
+          <a:chExt cx="0" cy="0"/>
+        </a:xfrm>
+      </p:grpSpPr>
+      <p:sp>
+        <p:nvSpPr>
+          <p:cNvPr id="2" name="Title 1">
+            <a:extLst>
+              <a:ext uri="{FF2B5EF4-FFF2-40B4-BE49-F238E27FC236}">
+                <a16:creationId xmlns:a16="http://schemas.microsoft.com/office/drawing/2014/main" id="{6F96095A-6573-64D5-42A0-5F08E2CDB99B}"/>
+              </a:ext>
+            </a:extLst>
+          </p:cNvPr>
+          <p:cNvSpPr>
+            <a:spLocks noGrp="1"/>
+          </p:cNvSpPr>
+          <p:nvPr>
+            <p:ph type="title"/>
+          </p:nvPr>
+        </p:nvSpPr>
+        <p:spPr/>
+        <p:txBody>
+          <a:bodyPr/>
+          <a:lstStyle/>
+          <a:p>
+            <a:r>
+              <a:rPr lang="en-GB" dirty="0"/>
+              <a:t>Assumptions</a:t>
+            </a:r>
+          </a:p>
+        </p:txBody>
+      </p:sp>
+      <p:sp>
+        <p:nvSpPr>
+          <p:cNvPr id="3" name="Content Placeholder 2">
+            <a:extLst>
+              <a:ext uri="{FF2B5EF4-FFF2-40B4-BE49-F238E27FC236}">
+                <a16:creationId xmlns:a16="http://schemas.microsoft.com/office/drawing/2014/main" id="{A76B1CE8-3840-E585-4588-EC9AC79448E4}"/>
+              </a:ext>
+            </a:extLst>
+          </p:cNvPr>
+          <p:cNvSpPr>
+            <a:spLocks noGrp="1"/>
+          </p:cNvSpPr>
+          <p:nvPr>
+            <p:ph idx="1"/>
+          </p:nvPr>
+        </p:nvSpPr>
+        <p:spPr/>
+        <p:txBody>
+          <a:bodyPr/>
+          <a:lstStyle/>
+          <a:p>
+            <a:pPr>
+              <a:buFont typeface="Arial" panose="020B0604020202020204" pitchFamily="34" charset="0"/>
+              <a:buChar char="•"/>
+            </a:pPr>
+            <a:r>
+              <a:rPr lang="en-GB" dirty="0"/>
+              <a:t> Recovered individuals are no longer susceptible</a:t>
+            </a:r>
+          </a:p>
+          <a:p>
+            <a:pPr>
+              <a:buFont typeface="Arial" panose="020B0604020202020204" pitchFamily="34" charset="0"/>
+              <a:buChar char="•"/>
+            </a:pPr>
+            <a:r>
+              <a:rPr lang="en-GB" dirty="0"/>
+              <a:t> Susceptibility is independent of individual characteristics (age, comorbidities, deprivation etc.)</a:t>
+            </a:r>
+          </a:p>
+          <a:p>
+            <a:pPr>
+              <a:buFont typeface="Arial" panose="020B0604020202020204" pitchFamily="34" charset="0"/>
+              <a:buChar char="•"/>
+            </a:pPr>
+            <a:r>
+              <a:rPr lang="en-GB" dirty="0"/>
+              <a:t> Homogenous and well-mixed population (equal contact rate)</a:t>
+            </a:r>
+          </a:p>
+          <a:p>
+            <a:pPr>
+              <a:buFont typeface="Arial" panose="020B0604020202020204" pitchFamily="34" charset="0"/>
+              <a:buChar char="•"/>
+            </a:pPr>
+            <a:r>
+              <a:rPr lang="en-GB" dirty="0"/>
+              <a:t> Population is large and constant</a:t>
+            </a:r>
+          </a:p>
+        </p:txBody>
+      </p:sp>
+    </p:spTree>
+    <p:extLst>
+      <p:ext uri="{BB962C8B-B14F-4D97-AF65-F5344CB8AC3E}">
+        <p14:creationId xmlns:p14="http://schemas.microsoft.com/office/powerpoint/2010/main" val="3734934549"/>
+      </p:ext>
+    </p:extLst>
+  </p:cSld>
+  <p:clrMapOvr>
+    <a:masterClrMapping/>
+  </p:clrMapOvr>
+</p:sld>
+</file>
+
+<file path=ppt/slides/slide16.xml><?xml version="1.0" encoding="utf-8"?>
 <p:sld xmlns:a="http://schemas.openxmlformats.org/drawingml/2006/main" xmlns:r="http://schemas.openxmlformats.org/officeDocument/2006/relationships" xmlns:p="http://schemas.openxmlformats.org/presentationml/2006/main">
   <p:cSld>
     <p:spTree>
@@ -24175,7 +24364,17 @@
             </a:pPr>
             <a:r>
               <a:rPr lang="en-GB" dirty="0"/>
-              <a:t> Estimates with confidence interval</a:t>
+              <a:t> Multiple variables are taken into account</a:t>
+            </a:r>
+          </a:p>
+          <a:p>
+            <a:pPr>
+              <a:buFont typeface="Arial" panose="020B0604020202020204" pitchFamily="34" charset="0"/>
+              <a:buChar char="•"/>
+            </a:pPr>
+            <a:r>
+              <a:rPr lang="en-GB" dirty="0"/>
+              <a:t> Confidence interval available</a:t>
             </a:r>
           </a:p>
           <a:p>
@@ -24241,16 +24440,6 @@
             </a:pPr>
             <a:r>
               <a:rPr lang="en-GB" dirty="0"/>
-              <a:t> Is it the number of new cases?</a:t>
-            </a:r>
-          </a:p>
-          <a:p>
-            <a:pPr>
-              <a:buFont typeface="Arial" panose="020B0604020202020204" pitchFamily="34" charset="0"/>
-              <a:buChar char="•"/>
-            </a:pPr>
-            <a:r>
-              <a:rPr lang="en-GB" dirty="0"/>
               <a:t> Effect of adjusting parameters on the model is to be tested</a:t>
             </a:r>
           </a:p>
@@ -24261,13 +24450,25 @@
             </a:pPr>
             <a:r>
               <a:rPr lang="en-GB" dirty="0"/>
-              <a:t> Population as one parameter </a:t>
+              <a:t> Irregular estimated case numbers when RNA level is high </a:t>
             </a:r>
             <a:r>
               <a:rPr lang="en-GB" dirty="0">
                 <a:sym typeface="Wingdings" pitchFamily="2" charset="2"/>
               </a:rPr>
-              <a:t> changing population over study period</a:t>
+              <a:t> related to spline function?</a:t>
+            </a:r>
+          </a:p>
+          <a:p>
+            <a:pPr>
+              <a:buFont typeface="Arial" panose="020B0604020202020204" pitchFamily="34" charset="0"/>
+              <a:buChar char="•"/>
+            </a:pPr>
+            <a:r>
+              <a:rPr lang="en-GB" dirty="0">
+                <a:sym typeface="Wingdings" pitchFamily="2" charset="2"/>
+              </a:rPr>
+              <a:t> Computation time depends on number of simulations</a:t>
             </a:r>
             <a:endParaRPr lang="en-GB" dirty="0"/>
           </a:p>
@@ -24286,7 +24487,7 @@
 </p:sld>
 </file>
 
-<file path=ppt/slides/slide15.xml><?xml version="1.0" encoding="utf-8"?>
+<file path=ppt/slides/slide17.xml><?xml version="1.0" encoding="utf-8"?>
 <p:sld xmlns:a="http://schemas.openxmlformats.org/drawingml/2006/main" xmlns:r="http://schemas.openxmlformats.org/officeDocument/2006/relationships" xmlns:p="http://schemas.openxmlformats.org/presentationml/2006/main">
   <p:cSld>
     <p:spTree>
@@ -24386,7 +24587,7 @@
             </a:pPr>
             <a:r>
               <a:rPr lang="en-GB" dirty="0"/>
-              <a:t> Regression is a widely used method</a:t>
+              <a:t> Regression is a widely used method with abundant references</a:t>
             </a:r>
           </a:p>
           <a:p>
@@ -24396,8 +24597,25 @@
             </a:pPr>
             <a:r>
               <a:rPr lang="en-GB" dirty="0"/>
-              <a:t> Easier in terms of coding</a:t>
+              <a:t> Possible to see the effect of each input on the outcome (number of new cases)</a:t>
             </a:r>
+          </a:p>
+          <a:p>
+            <a:pPr>
+              <a:buFont typeface="Arial" panose="020B0604020202020204" pitchFamily="34" charset="0"/>
+              <a:buChar char="•"/>
+            </a:pPr>
+            <a:r>
+              <a:rPr lang="en-GB" dirty="0"/>
+              <a:t> Confidence interval available</a:t>
+            </a:r>
+          </a:p>
+          <a:p>
+            <a:pPr>
+              <a:buFont typeface="Arial" panose="020B0604020202020204" pitchFamily="34" charset="0"/>
+              <a:buChar char="•"/>
+            </a:pPr>
+            <a:endParaRPr lang="en-GB" dirty="0"/>
           </a:p>
         </p:txBody>
       </p:sp>
@@ -24456,7 +24674,7 @@
             </a:pPr>
             <a:r>
               <a:rPr lang="en-GB" dirty="0"/>
-              <a:t> Not real-time since it requires a range of past values</a:t>
+              <a:t> Not real-time since it uses a range of past values</a:t>
             </a:r>
           </a:p>
           <a:p>
@@ -24484,7 +24702,7 @@
 </p:sld>
 </file>
 
-<file path=ppt/slides/slide16.xml><?xml version="1.0" encoding="utf-8"?>
+<file path=ppt/slides/slide18.xml><?xml version="1.0" encoding="utf-8"?>
 <p:sld xmlns:a="http://schemas.openxmlformats.org/drawingml/2006/main" xmlns:r="http://schemas.openxmlformats.org/officeDocument/2006/relationships" xmlns:p="http://schemas.openxmlformats.org/presentationml/2006/main">
   <p:cSld>
     <p:spTree>
@@ -24587,6 +24805,24 @@
               <a:t> Gradient Boosting Trees Regressor yielded highest accuracy from original paper</a:t>
             </a:r>
           </a:p>
+          <a:p>
+            <a:pPr>
+              <a:buFont typeface="Arial" panose="020B0604020202020204" pitchFamily="34" charset="0"/>
+              <a:buChar char="•"/>
+            </a:pPr>
+            <a:r>
+              <a:rPr lang="en-GB" dirty="0"/>
+              <a:t> </a:t>
+            </a:r>
+            <a:r>
+              <a:rPr lang="en-GB" dirty="0" err="1"/>
+              <a:t>xgboost</a:t>
+            </a:r>
+            <a:r>
+              <a:rPr lang="en-GB" dirty="0"/>
+              <a:t> package is computationally inexpensive</a:t>
+            </a:r>
+          </a:p>
         </p:txBody>
       </p:sp>
       <p:sp>
@@ -24654,7 +24890,7 @@
             </a:pPr>
             <a:r>
               <a:rPr lang="en-GB" dirty="0"/>
-              <a:t> </a:t>
+              <a:t> Tuning of model can be complicated</a:t>
             </a:r>
           </a:p>
         </p:txBody>
@@ -24672,7 +24908,7 @@
 </p:sld>
 </file>
 
-<file path=ppt/slides/slide17.xml><?xml version="1.0" encoding="utf-8"?>
+<file path=ppt/slides/slide19.xml><?xml version="1.0" encoding="utf-8"?>
 <p:sld xmlns:a="http://schemas.openxmlformats.org/drawingml/2006/main" xmlns:r="http://schemas.openxmlformats.org/officeDocument/2006/relationships" xmlns:p="http://schemas.openxmlformats.org/presentationml/2006/main">
   <p:cSld>
     <p:spTree>
@@ -24783,108 +25019,13 @@
             <a:endParaRPr lang="en-GB" dirty="0"/>
           </a:p>
           <a:p>
-            <a:pPr marL="0" indent="0">
-              <a:buNone/>
-            </a:pPr>
-            <a:endParaRPr lang="en-GB" dirty="0"/>
-          </a:p>
-          <a:p>
-            <a:pPr marL="0" indent="0">
-              <a:buNone/>
-            </a:pPr>
-            <a:r>
-              <a:rPr lang="en-GB" dirty="0"/>
-              <a:t>Distribution for delay in reporting time</a:t>
-            </a:r>
-          </a:p>
-        </p:txBody>
-      </p:sp>
-    </p:spTree>
-    <p:extLst>
-      <p:ext uri="{BB962C8B-B14F-4D97-AF65-F5344CB8AC3E}">
-        <p14:creationId xmlns:p14="http://schemas.microsoft.com/office/powerpoint/2010/main" val="766826331"/>
-      </p:ext>
-    </p:extLst>
-  </p:cSld>
-  <p:clrMapOvr>
-    <a:masterClrMapping/>
-  </p:clrMapOvr>
-</p:sld>
-</file>
-
-<file path=ppt/slides/slide18.xml><?xml version="1.0" encoding="utf-8"?>
-<p:sld xmlns:a="http://schemas.openxmlformats.org/drawingml/2006/main" xmlns:r="http://schemas.openxmlformats.org/officeDocument/2006/relationships" xmlns:p="http://schemas.openxmlformats.org/presentationml/2006/main">
-  <p:cSld>
-    <p:spTree>
-      <p:nvGrpSpPr>
-        <p:cNvPr id="1" name=""/>
-        <p:cNvGrpSpPr/>
-        <p:nvPr/>
-      </p:nvGrpSpPr>
-      <p:grpSpPr>
-        <a:xfrm>
-          <a:off x="0" y="0"/>
-          <a:ext cx="0" cy="0"/>
-          <a:chOff x="0" y="0"/>
-          <a:chExt cx="0" cy="0"/>
-        </a:xfrm>
-      </p:grpSpPr>
-      <p:sp>
-        <p:nvSpPr>
-          <p:cNvPr id="2" name="Title 1">
-            <a:extLst>
-              <a:ext uri="{FF2B5EF4-FFF2-40B4-BE49-F238E27FC236}">
-                <a16:creationId xmlns:a16="http://schemas.microsoft.com/office/drawing/2014/main" id="{6F96095A-6573-64D5-42A0-5F08E2CDB99B}"/>
-              </a:ext>
-            </a:extLst>
-          </p:cNvPr>
-          <p:cNvSpPr>
-            <a:spLocks noGrp="1"/>
-          </p:cNvSpPr>
-          <p:nvPr>
-            <p:ph type="title"/>
-          </p:nvPr>
-        </p:nvSpPr>
-        <p:spPr/>
-        <p:txBody>
-          <a:bodyPr/>
-          <a:lstStyle/>
-          <a:p>
-            <a:r>
-              <a:rPr lang="en-GB" dirty="0"/>
-              <a:t>Assumptions</a:t>
-            </a:r>
-          </a:p>
-        </p:txBody>
-      </p:sp>
-      <p:sp>
-        <p:nvSpPr>
-          <p:cNvPr id="3" name="Content Placeholder 2">
-            <a:extLst>
-              <a:ext uri="{FF2B5EF4-FFF2-40B4-BE49-F238E27FC236}">
-                <a16:creationId xmlns:a16="http://schemas.microsoft.com/office/drawing/2014/main" id="{A76B1CE8-3840-E585-4588-EC9AC79448E4}"/>
-              </a:ext>
-            </a:extLst>
-          </p:cNvPr>
-          <p:cNvSpPr>
-            <a:spLocks noGrp="1"/>
-          </p:cNvSpPr>
-          <p:nvPr>
-            <p:ph idx="1"/>
-          </p:nvPr>
-        </p:nvSpPr>
-        <p:spPr/>
-        <p:txBody>
-          <a:bodyPr/>
-          <a:lstStyle/>
-          <a:p>
             <a:pPr>
               <a:buFont typeface="Arial" panose="020B0604020202020204" pitchFamily="34" charset="0"/>
               <a:buChar char="•"/>
             </a:pPr>
             <a:r>
               <a:rPr lang="en-GB" dirty="0"/>
-              <a:t> Recovered individuals are no longer susceptible</a:t>
+              <a:t> Distribution of generation time </a:t>
             </a:r>
           </a:p>
           <a:p>
@@ -24894,189 +25035,40 @@
             </a:pPr>
             <a:r>
               <a:rPr lang="en-GB" dirty="0"/>
-              <a:t> Susceptibility is independent of individual characteristics (age, comorbidities, ethnicity etc.)</a:t>
+              <a:t> Distribution of delays from infection to reporting </a:t>
             </a:r>
+          </a:p>
+          <a:p>
+            <a:pPr lvl="1">
+              <a:buFont typeface="Arial" panose="020B0604020202020204" pitchFamily="34" charset="0"/>
+              <a:buChar char="•"/>
+            </a:pPr>
+            <a:r>
+              <a:rPr lang="en-GB" dirty="0"/>
+              <a:t>Does not apply to wastewater data</a:t>
+            </a:r>
+          </a:p>
+          <a:p>
+            <a:pPr>
+              <a:buFont typeface="Arial" panose="020B0604020202020204" pitchFamily="34" charset="0"/>
+              <a:buChar char="•"/>
+            </a:pPr>
+            <a:r>
+              <a:rPr lang="en-GB" dirty="0"/>
+              <a:t> </a:t>
+            </a:r>
+            <a:r>
+              <a:rPr lang="en-GB"/>
+              <a:t>Estimation done in days </a:t>
+            </a:r>
+            <a:endParaRPr lang="en-GB" dirty="0"/>
           </a:p>
         </p:txBody>
       </p:sp>
     </p:spTree>
     <p:extLst>
       <p:ext uri="{BB962C8B-B14F-4D97-AF65-F5344CB8AC3E}">
-        <p14:creationId xmlns:p14="http://schemas.microsoft.com/office/powerpoint/2010/main" val="3734934549"/>
-      </p:ext>
-    </p:extLst>
-  </p:cSld>
-  <p:clrMapOvr>
-    <a:masterClrMapping/>
-  </p:clrMapOvr>
-</p:sld>
-</file>
-
-<file path=ppt/slides/slide19.xml><?xml version="1.0" encoding="utf-8"?>
-<p:sld xmlns:a="http://schemas.openxmlformats.org/drawingml/2006/main" xmlns:r="http://schemas.openxmlformats.org/officeDocument/2006/relationships" xmlns:p="http://schemas.openxmlformats.org/presentationml/2006/main">
-  <p:cSld>
-    <p:spTree>
-      <p:nvGrpSpPr>
-        <p:cNvPr id="1" name=""/>
-        <p:cNvGrpSpPr/>
-        <p:nvPr/>
-      </p:nvGrpSpPr>
-      <p:grpSpPr>
-        <a:xfrm>
-          <a:off x="0" y="0"/>
-          <a:ext cx="0" cy="0"/>
-          <a:chOff x="0" y="0"/>
-          <a:chExt cx="0" cy="0"/>
-        </a:xfrm>
-      </p:grpSpPr>
-      <p:sp>
-        <p:nvSpPr>
-          <p:cNvPr id="3" name="Title 2">
-            <a:extLst>
-              <a:ext uri="{FF2B5EF4-FFF2-40B4-BE49-F238E27FC236}">
-                <a16:creationId xmlns:a16="http://schemas.microsoft.com/office/drawing/2014/main" id="{8AEFF7E4-DE54-9E22-0E4F-03A22877B2FC}"/>
-              </a:ext>
-            </a:extLst>
-          </p:cNvPr>
-          <p:cNvSpPr>
-            <a:spLocks noGrp="1"/>
-          </p:cNvSpPr>
-          <p:nvPr>
-            <p:ph type="title"/>
-          </p:nvPr>
-        </p:nvSpPr>
-        <p:spPr/>
-        <p:txBody>
-          <a:bodyPr/>
-          <a:lstStyle/>
-          <a:p>
-            <a:r>
-              <a:rPr lang="en-GB" dirty="0"/>
-              <a:t>More Variables to consider for the model</a:t>
-            </a:r>
-          </a:p>
-        </p:txBody>
-      </p:sp>
-      <p:sp>
-        <p:nvSpPr>
-          <p:cNvPr id="4" name="Content Placeholder 3">
-            <a:extLst>
-              <a:ext uri="{FF2B5EF4-FFF2-40B4-BE49-F238E27FC236}">
-                <a16:creationId xmlns:a16="http://schemas.microsoft.com/office/drawing/2014/main" id="{8BA75E4D-E308-6A8A-F309-F818F7E46EB6}"/>
-              </a:ext>
-            </a:extLst>
-          </p:cNvPr>
-          <p:cNvSpPr>
-            <a:spLocks noGrp="1"/>
-          </p:cNvSpPr>
-          <p:nvPr>
-            <p:ph idx="1"/>
-          </p:nvPr>
-        </p:nvSpPr>
-        <p:spPr/>
-        <p:txBody>
-          <a:bodyPr>
-            <a:normAutofit lnSpcReduction="10000"/>
-          </a:bodyPr>
-          <a:lstStyle/>
-          <a:p>
-            <a:pPr marL="457200" indent="-457200">
-              <a:buFont typeface="+mj-lt"/>
-              <a:buAutoNum type="arabicPeriod"/>
-            </a:pPr>
-            <a:r>
-              <a:rPr lang="en-GB" dirty="0"/>
-              <a:t>Contact rate</a:t>
-            </a:r>
-          </a:p>
-          <a:p>
-            <a:pPr marL="630936" lvl="1" indent="-457200"/>
-            <a:r>
-              <a:rPr lang="en-GB" dirty="0"/>
-              <a:t>COMIX</a:t>
-            </a:r>
-          </a:p>
-          <a:p>
-            <a:pPr marL="630936" lvl="1" indent="-457200"/>
-            <a:r>
-              <a:rPr lang="en-GB" dirty="0" err="1"/>
-              <a:t>OxCGRT</a:t>
-            </a:r>
-            <a:r>
-              <a:rPr lang="en-GB" dirty="0"/>
-              <a:t> Stringency Index (national level only)</a:t>
-            </a:r>
-          </a:p>
-          <a:p>
-            <a:pPr marL="630936" lvl="1" indent="-457200"/>
-            <a:r>
-              <a:rPr lang="en-GB" dirty="0"/>
-              <a:t>Lockdown period cut-off</a:t>
-            </a:r>
-          </a:p>
-          <a:p>
-            <a:pPr marL="457200" indent="-457200">
-              <a:buFont typeface="+mj-lt"/>
-              <a:buAutoNum type="arabicPeriod"/>
-            </a:pPr>
-            <a:r>
-              <a:rPr lang="en-GB" dirty="0"/>
-              <a:t>Vaccination</a:t>
-            </a:r>
-          </a:p>
-          <a:p>
-            <a:pPr marL="457200" indent="-457200">
-              <a:buFont typeface="+mj-lt"/>
-              <a:buAutoNum type="arabicPeriod"/>
-            </a:pPr>
-            <a:r>
-              <a:rPr lang="en-GB" dirty="0"/>
-              <a:t>Population density</a:t>
-            </a:r>
-          </a:p>
-          <a:p>
-            <a:pPr marL="457200" indent="-457200">
-              <a:buFont typeface="+mj-lt"/>
-              <a:buAutoNum type="arabicPeriod"/>
-            </a:pPr>
-            <a:r>
-              <a:rPr lang="en-GB" dirty="0"/>
-              <a:t>Seasonality (effect on temperature and RNA half-life)</a:t>
-            </a:r>
-          </a:p>
-          <a:p>
-            <a:pPr marL="457200" indent="-457200">
-              <a:buFont typeface="+mj-lt"/>
-              <a:buAutoNum type="arabicPeriod"/>
-            </a:pPr>
-            <a:r>
-              <a:rPr lang="en-GB" dirty="0"/>
-              <a:t>Content of wastewater e.g. pH, suspended solids etc.</a:t>
-            </a:r>
-          </a:p>
-          <a:p>
-            <a:pPr marL="457200" indent="-457200">
-              <a:buFont typeface="+mj-lt"/>
-              <a:buAutoNum type="arabicPeriod"/>
-            </a:pPr>
-            <a:r>
-              <a:rPr lang="en-GB" dirty="0"/>
-              <a:t>Correction factor for extremely high / low RNA levels </a:t>
-            </a:r>
-          </a:p>
-          <a:p>
-            <a:pPr marL="630936" lvl="1" indent="-457200"/>
-            <a:r>
-              <a:rPr lang="en-GB" dirty="0"/>
-              <a:t>As shown in original paper with poorer fit to the phenomenological model for prevalence</a:t>
-            </a:r>
-          </a:p>
-        </p:txBody>
-      </p:sp>
-    </p:spTree>
-    <p:extLst>
-      <p:ext uri="{BB962C8B-B14F-4D97-AF65-F5344CB8AC3E}">
-        <p14:creationId xmlns:p14="http://schemas.microsoft.com/office/powerpoint/2010/main" val="3571981007"/>
+        <p14:creationId xmlns:p14="http://schemas.microsoft.com/office/powerpoint/2010/main" val="766826331"/>
       </p:ext>
     </p:extLst>
   </p:cSld>
@@ -25264,6 +25256,291 @@
       </p:grpSpPr>
       <p:sp>
         <p:nvSpPr>
+          <p:cNvPr id="3" name="Title 2">
+            <a:extLst>
+              <a:ext uri="{FF2B5EF4-FFF2-40B4-BE49-F238E27FC236}">
+                <a16:creationId xmlns:a16="http://schemas.microsoft.com/office/drawing/2014/main" id="{8AEFF7E4-DE54-9E22-0E4F-03A22877B2FC}"/>
+              </a:ext>
+            </a:extLst>
+          </p:cNvPr>
+          <p:cNvSpPr>
+            <a:spLocks noGrp="1"/>
+          </p:cNvSpPr>
+          <p:nvPr>
+            <p:ph type="title"/>
+          </p:nvPr>
+        </p:nvSpPr>
+        <p:spPr/>
+        <p:txBody>
+          <a:bodyPr/>
+          <a:lstStyle/>
+          <a:p>
+            <a:r>
+              <a:rPr lang="en-GB" dirty="0"/>
+              <a:t>More Variables to consider for the model</a:t>
+            </a:r>
+          </a:p>
+        </p:txBody>
+      </p:sp>
+      <p:sp>
+        <p:nvSpPr>
+          <p:cNvPr id="4" name="Content Placeholder 3">
+            <a:extLst>
+              <a:ext uri="{FF2B5EF4-FFF2-40B4-BE49-F238E27FC236}">
+                <a16:creationId xmlns:a16="http://schemas.microsoft.com/office/drawing/2014/main" id="{8BA75E4D-E308-6A8A-F309-F818F7E46EB6}"/>
+              </a:ext>
+            </a:extLst>
+          </p:cNvPr>
+          <p:cNvSpPr>
+            <a:spLocks noGrp="1"/>
+          </p:cNvSpPr>
+          <p:nvPr>
+            <p:ph idx="1"/>
+          </p:nvPr>
+        </p:nvSpPr>
+        <p:spPr/>
+        <p:txBody>
+          <a:bodyPr>
+            <a:normAutofit lnSpcReduction="10000"/>
+          </a:bodyPr>
+          <a:lstStyle/>
+          <a:p>
+            <a:pPr marL="457200" indent="-457200">
+              <a:buFont typeface="+mj-lt"/>
+              <a:buAutoNum type="arabicPeriod"/>
+            </a:pPr>
+            <a:r>
+              <a:rPr lang="en-GB" dirty="0"/>
+              <a:t>Contact rate</a:t>
+            </a:r>
+          </a:p>
+          <a:p>
+            <a:pPr marL="630936" lvl="1" indent="-457200"/>
+            <a:r>
+              <a:rPr lang="en-GB" dirty="0"/>
+              <a:t>COMIX</a:t>
+            </a:r>
+          </a:p>
+          <a:p>
+            <a:pPr marL="630936" lvl="1" indent="-457200"/>
+            <a:r>
+              <a:rPr lang="en-GB" dirty="0" err="1"/>
+              <a:t>OxCGRT</a:t>
+            </a:r>
+            <a:r>
+              <a:rPr lang="en-GB" dirty="0"/>
+              <a:t> Stringency Index (national level only)</a:t>
+            </a:r>
+          </a:p>
+          <a:p>
+            <a:pPr marL="630936" lvl="1" indent="-457200"/>
+            <a:r>
+              <a:rPr lang="en-GB" dirty="0"/>
+              <a:t>Lockdown period as cut-off</a:t>
+            </a:r>
+          </a:p>
+          <a:p>
+            <a:pPr marL="457200" indent="-457200">
+              <a:buFont typeface="+mj-lt"/>
+              <a:buAutoNum type="arabicPeriod"/>
+            </a:pPr>
+            <a:r>
+              <a:rPr lang="en-GB" dirty="0"/>
+              <a:t>Vaccination</a:t>
+            </a:r>
+          </a:p>
+          <a:p>
+            <a:pPr marL="457200" indent="-457200">
+              <a:buFont typeface="+mj-lt"/>
+              <a:buAutoNum type="arabicPeriod"/>
+            </a:pPr>
+            <a:r>
+              <a:rPr lang="en-GB" dirty="0"/>
+              <a:t>Population density</a:t>
+            </a:r>
+          </a:p>
+          <a:p>
+            <a:pPr marL="457200" indent="-457200">
+              <a:buFont typeface="+mj-lt"/>
+              <a:buAutoNum type="arabicPeriod"/>
+            </a:pPr>
+            <a:r>
+              <a:rPr lang="en-GB" dirty="0"/>
+              <a:t>Seasonality (effect on temperature and RNA half-life)</a:t>
+            </a:r>
+          </a:p>
+          <a:p>
+            <a:pPr marL="457200" indent="-457200">
+              <a:buFont typeface="+mj-lt"/>
+              <a:buAutoNum type="arabicPeriod"/>
+            </a:pPr>
+            <a:r>
+              <a:rPr lang="en-GB" dirty="0"/>
+              <a:t>Content of wastewater e.g. pH, suspended solids etc.</a:t>
+            </a:r>
+          </a:p>
+          <a:p>
+            <a:pPr marL="457200" indent="-457200">
+              <a:buFont typeface="+mj-lt"/>
+              <a:buAutoNum type="arabicPeriod"/>
+            </a:pPr>
+            <a:r>
+              <a:rPr lang="en-GB" dirty="0"/>
+              <a:t>Correction factor for extremely high / low RNA levels </a:t>
+            </a:r>
+          </a:p>
+          <a:p>
+            <a:pPr marL="630936" lvl="1" indent="-457200"/>
+            <a:r>
+              <a:rPr lang="en-GB" dirty="0"/>
+              <a:t>As shown in original paper with poorer fit to the phenomenological model for prevalence</a:t>
+            </a:r>
+          </a:p>
+        </p:txBody>
+      </p:sp>
+    </p:spTree>
+    <p:extLst>
+      <p:ext uri="{BB962C8B-B14F-4D97-AF65-F5344CB8AC3E}">
+        <p14:creationId xmlns:p14="http://schemas.microsoft.com/office/powerpoint/2010/main" val="3571981007"/>
+      </p:ext>
+    </p:extLst>
+  </p:cSld>
+  <p:clrMapOvr>
+    <a:masterClrMapping/>
+  </p:clrMapOvr>
+</p:sld>
+</file>
+
+<file path=ppt/slides/slide21.xml><?xml version="1.0" encoding="utf-8"?>
+<p:sld xmlns:a="http://schemas.openxmlformats.org/drawingml/2006/main" xmlns:r="http://schemas.openxmlformats.org/officeDocument/2006/relationships" xmlns:p="http://schemas.openxmlformats.org/presentationml/2006/main">
+  <p:cSld>
+    <p:spTree>
+      <p:nvGrpSpPr>
+        <p:cNvPr id="1" name=""/>
+        <p:cNvGrpSpPr/>
+        <p:nvPr/>
+      </p:nvGrpSpPr>
+      <p:grpSpPr>
+        <a:xfrm>
+          <a:off x="0" y="0"/>
+          <a:ext cx="0" cy="0"/>
+          <a:chOff x="0" y="0"/>
+          <a:chExt cx="0" cy="0"/>
+        </a:xfrm>
+      </p:grpSpPr>
+      <p:pic>
+        <p:nvPicPr>
+          <p:cNvPr id="6" name="Picture 5">
+            <a:extLst>
+              <a:ext uri="{FF2B5EF4-FFF2-40B4-BE49-F238E27FC236}">
+                <a16:creationId xmlns:a16="http://schemas.microsoft.com/office/drawing/2014/main" id="{DBC5A349-BD48-C0AD-9FC6-106195747EC2}"/>
+              </a:ext>
+            </a:extLst>
+          </p:cNvPr>
+          <p:cNvPicPr>
+            <a:picLocks noChangeAspect="1"/>
+          </p:cNvPicPr>
+          <p:nvPr/>
+        </p:nvPicPr>
+        <p:blipFill rotWithShape="1">
+          <a:blip r:embed="rId2"/>
+          <a:srcRect r="44" b="23233"/>
+          <a:stretch/>
+        </p:blipFill>
+        <p:spPr>
+          <a:xfrm>
+            <a:off x="2160511" y="565349"/>
+            <a:ext cx="7870977" cy="5727302"/>
+          </a:xfrm>
+          <a:prstGeom prst="rect">
+            <a:avLst/>
+          </a:prstGeom>
+        </p:spPr>
+      </p:pic>
+      <p:sp>
+        <p:nvSpPr>
+          <p:cNvPr id="7" name="Frame 6">
+            <a:extLst>
+              <a:ext uri="{FF2B5EF4-FFF2-40B4-BE49-F238E27FC236}">
+                <a16:creationId xmlns:a16="http://schemas.microsoft.com/office/drawing/2014/main" id="{2556075C-6B1F-C151-B5EF-22956E382E70}"/>
+              </a:ext>
+            </a:extLst>
+          </p:cNvPr>
+          <p:cNvSpPr/>
+          <p:nvPr/>
+        </p:nvSpPr>
+        <p:spPr>
+          <a:xfrm>
+            <a:off x="6163733" y="897467"/>
+            <a:ext cx="660400" cy="5420206"/>
+          </a:xfrm>
+          <a:prstGeom prst="frame">
+            <a:avLst>
+              <a:gd name="adj1" fmla="val 4291"/>
+            </a:avLst>
+          </a:prstGeom>
+        </p:spPr>
+        <p:style>
+          <a:lnRef idx="2">
+            <a:schemeClr val="accent1">
+              <a:shade val="50000"/>
+            </a:schemeClr>
+          </a:lnRef>
+          <a:fillRef idx="1">
+            <a:schemeClr val="accent1"/>
+          </a:fillRef>
+          <a:effectRef idx="0">
+            <a:schemeClr val="accent1"/>
+          </a:effectRef>
+          <a:fontRef idx="minor">
+            <a:schemeClr val="lt1"/>
+          </a:fontRef>
+        </p:style>
+        <p:txBody>
+          <a:bodyPr rtlCol="0" anchor="ctr"/>
+          <a:lstStyle/>
+          <a:p>
+            <a:pPr algn="ctr"/>
+            <a:endParaRPr lang="en-GB">
+              <a:solidFill>
+                <a:schemeClr val="tx1"/>
+              </a:solidFill>
+            </a:endParaRPr>
+          </a:p>
+        </p:txBody>
+      </p:sp>
+    </p:spTree>
+    <p:extLst>
+      <p:ext uri="{BB962C8B-B14F-4D97-AF65-F5344CB8AC3E}">
+        <p14:creationId xmlns:p14="http://schemas.microsoft.com/office/powerpoint/2010/main" val="580385850"/>
+      </p:ext>
+    </p:extLst>
+  </p:cSld>
+  <p:clrMapOvr>
+    <a:masterClrMapping/>
+  </p:clrMapOvr>
+</p:sld>
+</file>
+
+<file path=ppt/slides/slide22.xml><?xml version="1.0" encoding="utf-8"?>
+<p:sld xmlns:a="http://schemas.openxmlformats.org/drawingml/2006/main" xmlns:r="http://schemas.openxmlformats.org/officeDocument/2006/relationships" xmlns:p="http://schemas.openxmlformats.org/presentationml/2006/main">
+  <p:cSld>
+    <p:spTree>
+      <p:nvGrpSpPr>
+        <p:cNvPr id="1" name=""/>
+        <p:cNvGrpSpPr/>
+        <p:nvPr/>
+      </p:nvGrpSpPr>
+      <p:grpSpPr>
+        <a:xfrm>
+          <a:off x="0" y="0"/>
+          <a:ext cx="0" cy="0"/>
+          <a:chOff x="0" y="0"/>
+          <a:chExt cx="0" cy="0"/>
+        </a:xfrm>
+      </p:grpSpPr>
+      <p:sp>
+        <p:nvSpPr>
           <p:cNvPr id="2" name="Title 1">
             <a:extLst>
               <a:ext uri="{FF2B5EF4-FFF2-40B4-BE49-F238E27FC236}">
@@ -25308,7 +25585,9 @@
         </p:nvSpPr>
         <p:spPr/>
         <p:txBody>
-          <a:bodyPr/>
+          <a:bodyPr>
+            <a:normAutofit/>
+          </a:bodyPr>
           <a:lstStyle/>
           <a:p>
             <a:pPr>
@@ -25316,8 +25595,8 @@
               <a:buChar char="•"/>
             </a:pPr>
             <a:r>
-              <a:rPr lang="en-GB" dirty="0"/>
-              <a:t> Aggregation of data </a:t>
+              <a:rPr lang="en-GB" sz="2800" dirty="0"/>
+              <a:t> Number of new cases</a:t>
             </a:r>
           </a:p>
           <a:p>
@@ -25326,7 +25605,34 @@
               <a:buChar char="•"/>
             </a:pPr>
             <a:r>
-              <a:rPr lang="en-GB" dirty="0"/>
+              <a:rPr lang="en-GB" sz="2800" dirty="0"/>
+              <a:t> Model uncertainty</a:t>
+            </a:r>
+          </a:p>
+          <a:p>
+            <a:pPr>
+              <a:buFont typeface="Arial" panose="020B0604020202020204" pitchFamily="34" charset="0"/>
+              <a:buChar char="•"/>
+            </a:pPr>
+            <a:r>
+              <a:rPr lang="en-GB" sz="2800" dirty="0"/>
+              <a:t> Granularity </a:t>
+            </a:r>
+            <a:r>
+              <a:rPr lang="en-GB" sz="2800" dirty="0">
+                <a:sym typeface="Wingdings" pitchFamily="2" charset="2"/>
+              </a:rPr>
+              <a:t> 7 NHS regions and national</a:t>
+            </a:r>
+            <a:endParaRPr lang="en-GB" sz="2800" dirty="0"/>
+          </a:p>
+          <a:p>
+            <a:pPr>
+              <a:buFont typeface="Arial" panose="020B0604020202020204" pitchFamily="34" charset="0"/>
+              <a:buChar char="•"/>
+            </a:pPr>
+            <a:r>
+              <a:rPr lang="en-GB" sz="2800" dirty="0"/>
               <a:t> Sensitivity analysis</a:t>
             </a:r>
           </a:p>
@@ -25336,8 +25642,8 @@
               <a:buChar char="•"/>
             </a:pPr>
             <a:r>
-              <a:rPr lang="en-GB" dirty="0"/>
-              <a:t>R</a:t>
+              <a:rPr lang="en-GB" sz="2400" dirty="0"/>
+              <a:t> Mean absolute error (MAE)</a:t>
             </a:r>
           </a:p>
           <a:p>
@@ -25346,7 +25652,7 @@
               <a:buChar char="•"/>
             </a:pPr>
             <a:r>
-              <a:rPr lang="en-GB" dirty="0"/>
+              <a:rPr lang="en-GB" sz="2800" dirty="0"/>
               <a:t> Dashboard production</a:t>
             </a:r>
           </a:p>
@@ -25356,7 +25662,7 @@
               <a:buChar char="•"/>
             </a:pPr>
             <a:r>
-              <a:rPr lang="en-GB" dirty="0"/>
+              <a:rPr lang="en-GB" sz="2400" dirty="0"/>
               <a:t>Maps</a:t>
             </a:r>
           </a:p>
@@ -25366,7 +25672,7 @@
               <a:buChar char="•"/>
             </a:pPr>
             <a:r>
-              <a:rPr lang="en-GB" dirty="0"/>
+              <a:rPr lang="en-GB" sz="2400" dirty="0"/>
               <a:t>Line </a:t>
             </a:r>
           </a:p>
@@ -25916,7 +26222,7 @@
             <p:ph idx="1"/>
             <p:extLst>
               <p:ext uri="{D42A27DB-BD31-4B8C-83A1-F6EECF244321}">
-                <p14:modId xmlns:p14="http://schemas.microsoft.com/office/powerpoint/2010/main" val="4049930787"/>
+                <p14:modId xmlns:p14="http://schemas.microsoft.com/office/powerpoint/2010/main" val="1715379573"/>
               </p:ext>
             </p:extLst>
           </p:nvPr>
@@ -25984,7 +26290,7 @@
           <a:p>
             <a:r>
               <a:rPr lang="en-GB" dirty="0"/>
-              <a:t>COVID19WasteWater package</a:t>
+              <a:t>COVID19WasteWatermodel</a:t>
             </a:r>
           </a:p>
         </p:txBody>
@@ -26007,26 +26313,47 @@
         </p:nvSpPr>
         <p:spPr/>
         <p:txBody>
-          <a:bodyPr/>
+          <a:bodyPr>
+            <a:normAutofit/>
+          </a:bodyPr>
           <a:lstStyle/>
           <a:p>
             <a:r>
-              <a:rPr lang="en-GB" b="1" dirty="0">
+              <a:rPr lang="en-GB" sz="2800" b="1" dirty="0">
                 <a:hlinkClick r:id="rId2"/>
               </a:rPr>
               <a:t>https://github.com/scwatson812/COVID19WastewaterModel</a:t>
             </a:r>
-            <a:endParaRPr lang="en-GB" b="1" dirty="0"/>
+            <a:endParaRPr lang="en-GB" sz="2800" b="1" dirty="0"/>
           </a:p>
           <a:p>
-            <a:endParaRPr lang="en-GB" b="1" dirty="0"/>
+            <a:endParaRPr lang="en-GB" sz="2800" b="1" dirty="0"/>
           </a:p>
           <a:p>
             <a:r>
-              <a:rPr lang="en-GB" dirty="0" err="1"/>
-              <a:t>SEIR.model</a:t>
+              <a:rPr lang="en-GB" sz="2800" dirty="0"/>
+              <a:t>SEIR model simulation of change of RNA level over time</a:t>
             </a:r>
-            <a:endParaRPr lang="en-GB" b="1" dirty="0"/>
+          </a:p>
+          <a:p>
+            <a:r>
+              <a:rPr lang="en-GB" sz="2800" dirty="0"/>
+              <a:t>MCMC simulation:</a:t>
+            </a:r>
+          </a:p>
+          <a:p>
+            <a:pPr lvl="1"/>
+            <a:r>
+              <a:rPr lang="en-GB" sz="2400" dirty="0"/>
+              <a:t>Change of RNA level over time</a:t>
+            </a:r>
+          </a:p>
+          <a:p>
+            <a:pPr lvl="1"/>
+            <a:r>
+              <a:rPr lang="en-GB" sz="2400" dirty="0"/>
+              <a:t>Number of active cases from RNA level</a:t>
+            </a:r>
           </a:p>
         </p:txBody>
       </p:sp>
